--- a/283 - Spirit of God (Moore).pptx
+++ b/283 - Spirit of God (Moore).pptx
@@ -115,10 +115,6 @@
 </p:presentation>
 </file>
 
-<file path=ppt/revisionInfo.xml><?xml version="1.0" encoding="utf-8"?>
-<p1510:revInfo xmlns:a="http://schemas.openxmlformats.org/drawingml/2006/main" xmlns:r="http://schemas.openxmlformats.org/officeDocument/2006/relationships" xmlns:p1510="http://schemas.microsoft.com/office/powerpoint/2015/10/main"/>
-</file>
-
 <file path=ppt/slideLayouts/slideLayout1.xml><?xml version="1.0" encoding="utf-8"?>
 <p:sldLayout xmlns:a="http://schemas.openxmlformats.org/drawingml/2006/main" xmlns:r="http://schemas.openxmlformats.org/officeDocument/2006/relationships" xmlns:p="http://schemas.openxmlformats.org/presentationml/2006/main" type="title" preserve="1">
   <p:cSld name="Title Slide">
@@ -248,7 +244,7 @@
           <a:p>
             <a:fld id="{32F7251A-AE54-443C-B8FE-5F636E835EBF}" type="datetimeFigureOut">
               <a:rPr lang="en-US" smtClean="0"/>
-              <a:t>10/29/2017</a:t>
+              <a:t>4/6/2018</a:t>
             </a:fld>
             <a:endParaRPr lang="en-US"/>
           </a:p>
@@ -416,7 +412,7 @@
           <a:p>
             <a:fld id="{32F7251A-AE54-443C-B8FE-5F636E835EBF}" type="datetimeFigureOut">
               <a:rPr lang="en-US" smtClean="0"/>
-              <a:t>10/29/2017</a:t>
+              <a:t>4/6/2018</a:t>
             </a:fld>
             <a:endParaRPr lang="en-US"/>
           </a:p>
@@ -594,7 +590,7 @@
           <a:p>
             <a:fld id="{32F7251A-AE54-443C-B8FE-5F636E835EBF}" type="datetimeFigureOut">
               <a:rPr lang="en-US" smtClean="0"/>
-              <a:t>10/29/2017</a:t>
+              <a:t>4/6/2018</a:t>
             </a:fld>
             <a:endParaRPr lang="en-US"/>
           </a:p>
@@ -762,7 +758,7 @@
           <a:p>
             <a:fld id="{32F7251A-AE54-443C-B8FE-5F636E835EBF}" type="datetimeFigureOut">
               <a:rPr lang="en-US" smtClean="0"/>
-              <a:t>10/29/2017</a:t>
+              <a:t>4/6/2018</a:t>
             </a:fld>
             <a:endParaRPr lang="en-US"/>
           </a:p>
@@ -1007,7 +1003,7 @@
           <a:p>
             <a:fld id="{32F7251A-AE54-443C-B8FE-5F636E835EBF}" type="datetimeFigureOut">
               <a:rPr lang="en-US" smtClean="0"/>
-              <a:t>10/29/2017</a:t>
+              <a:t>4/6/2018</a:t>
             </a:fld>
             <a:endParaRPr lang="en-US"/>
           </a:p>
@@ -1236,7 +1232,7 @@
           <a:p>
             <a:fld id="{32F7251A-AE54-443C-B8FE-5F636E835EBF}" type="datetimeFigureOut">
               <a:rPr lang="en-US" smtClean="0"/>
-              <a:t>10/29/2017</a:t>
+              <a:t>4/6/2018</a:t>
             </a:fld>
             <a:endParaRPr lang="en-US"/>
           </a:p>
@@ -1600,7 +1596,7 @@
           <a:p>
             <a:fld id="{32F7251A-AE54-443C-B8FE-5F636E835EBF}" type="datetimeFigureOut">
               <a:rPr lang="en-US" smtClean="0"/>
-              <a:t>10/29/2017</a:t>
+              <a:t>4/6/2018</a:t>
             </a:fld>
             <a:endParaRPr lang="en-US"/>
           </a:p>
@@ -1717,7 +1713,7 @@
           <a:p>
             <a:fld id="{32F7251A-AE54-443C-B8FE-5F636E835EBF}" type="datetimeFigureOut">
               <a:rPr lang="en-US" smtClean="0"/>
-              <a:t>10/29/2017</a:t>
+              <a:t>4/6/2018</a:t>
             </a:fld>
             <a:endParaRPr lang="en-US"/>
           </a:p>
@@ -1812,7 +1808,7 @@
           <a:p>
             <a:fld id="{32F7251A-AE54-443C-B8FE-5F636E835EBF}" type="datetimeFigureOut">
               <a:rPr lang="en-US" smtClean="0"/>
-              <a:t>10/29/2017</a:t>
+              <a:t>4/6/2018</a:t>
             </a:fld>
             <a:endParaRPr lang="en-US"/>
           </a:p>
@@ -2087,7 +2083,7 @@
           <a:p>
             <a:fld id="{32F7251A-AE54-443C-B8FE-5F636E835EBF}" type="datetimeFigureOut">
               <a:rPr lang="en-US" smtClean="0"/>
-              <a:t>10/29/2017</a:t>
+              <a:t>4/6/2018</a:t>
             </a:fld>
             <a:endParaRPr lang="en-US"/>
           </a:p>
@@ -2339,7 +2335,7 @@
           <a:p>
             <a:fld id="{32F7251A-AE54-443C-B8FE-5F636E835EBF}" type="datetimeFigureOut">
               <a:rPr lang="en-US" smtClean="0"/>
-              <a:t>10/29/2017</a:t>
+              <a:t>4/6/2018</a:t>
             </a:fld>
             <a:endParaRPr lang="en-US"/>
           </a:p>
@@ -2553,7 +2549,7 @@
           <a:p>
             <a:fld id="{32F7251A-AE54-443C-B8FE-5F636E835EBF}" type="datetimeFigureOut">
               <a:rPr lang="en-US" smtClean="0"/>
-              <a:t>10/29/2017</a:t>
+              <a:t>4/6/2018</a:t>
             </a:fld>
             <a:endParaRPr lang="en-US"/>
           </a:p>
@@ -3590,23 +3586,7 @@
                   <a:schemeClr val="bg1"/>
                 </a:solidFill>
               </a:rPr>
-              <a:t>We call in our solemn </a:t>
-            </a:r>
-            <a:r>
-              <a:rPr lang="en-US" sz="3600" dirty="0" err="1">
-                <a:solidFill>
-                  <a:schemeClr val="bg1"/>
-                </a:solidFill>
-              </a:rPr>
-              <a:t>assembies</a:t>
-            </a:r>
-            <a:r>
-              <a:rPr lang="en-US" sz="3600" dirty="0">
-                <a:solidFill>
-                  <a:schemeClr val="bg1"/>
-                </a:solidFill>
-              </a:rPr>
-              <a:t>, in spirit,</a:t>
+              <a:t>We call in our solemn assemblies, in spirit,</a:t>
             </a:r>
           </a:p>
           <a:p>
@@ -3884,48 +3864,19 @@
                   <a:schemeClr val="bg1"/>
                 </a:solidFill>
               </a:rPr>
-              <a:t>And </a:t>
-            </a:r>
-            <a:r>
-              <a:rPr lang="en-US" sz="3600" dirty="0" err="1">
-                <a:solidFill>
-                  <a:schemeClr val="bg1"/>
-                </a:solidFill>
-              </a:rPr>
-              <a:t>Ephr’im</a:t>
-            </a:r>
+              <a:t>And Ephraim be crowned with his blessings in Zion</a:t>
+            </a:r>
+          </a:p>
+          <a:p>
+            <a:pPr algn="ctr"/>
             <a:r>
               <a:rPr lang="en-US" sz="3600" dirty="0">
                 <a:solidFill>
                   <a:schemeClr val="bg1"/>
                 </a:solidFill>
               </a:rPr>
-              <a:t> be crowned with his blessings in Zion</a:t>
-            </a:r>
-          </a:p>
-          <a:p>
-            <a:pPr algn="ctr"/>
-            <a:r>
-              <a:rPr lang="en-US" sz="3600" dirty="0">
-                <a:solidFill>
-                  <a:schemeClr val="bg1"/>
-                </a:solidFill>
-              </a:rPr>
-              <a:t>As Jesus descends in </a:t>
-            </a:r>
-            <a:r>
-              <a:rPr lang="en-US" sz="3600">
-                <a:solidFill>
-                  <a:schemeClr val="bg1"/>
-                </a:solidFill>
-              </a:rPr>
-              <a:t>his chariots of fire.</a:t>
-            </a:r>
-            <a:endParaRPr lang="en-US" sz="3600" dirty="0">
-              <a:solidFill>
-                <a:schemeClr val="bg1"/>
-              </a:solidFill>
-            </a:endParaRPr>
+              <a:t>As Jesus descends in his chariots of fire.</a:t>
+            </a:r>
           </a:p>
           <a:p>
             <a:pPr algn="ctr"/>

--- a/283 - Spirit of God (Moore).pptx
+++ b/283 - Spirit of God (Moore).pptx
@@ -244,7 +244,7 @@
           <a:p>
             <a:fld id="{32F7251A-AE54-443C-B8FE-5F636E835EBF}" type="datetimeFigureOut">
               <a:rPr lang="en-US" smtClean="0"/>
-              <a:t>4/6/2018</a:t>
+              <a:t>8/16/2020</a:t>
             </a:fld>
             <a:endParaRPr lang="en-US"/>
           </a:p>
@@ -412,7 +412,7 @@
           <a:p>
             <a:fld id="{32F7251A-AE54-443C-B8FE-5F636E835EBF}" type="datetimeFigureOut">
               <a:rPr lang="en-US" smtClean="0"/>
-              <a:t>4/6/2018</a:t>
+              <a:t>8/16/2020</a:t>
             </a:fld>
             <a:endParaRPr lang="en-US"/>
           </a:p>
@@ -590,7 +590,7 @@
           <a:p>
             <a:fld id="{32F7251A-AE54-443C-B8FE-5F636E835EBF}" type="datetimeFigureOut">
               <a:rPr lang="en-US" smtClean="0"/>
-              <a:t>4/6/2018</a:t>
+              <a:t>8/16/2020</a:t>
             </a:fld>
             <a:endParaRPr lang="en-US"/>
           </a:p>
@@ -758,7 +758,7 @@
           <a:p>
             <a:fld id="{32F7251A-AE54-443C-B8FE-5F636E835EBF}" type="datetimeFigureOut">
               <a:rPr lang="en-US" smtClean="0"/>
-              <a:t>4/6/2018</a:t>
+              <a:t>8/16/2020</a:t>
             </a:fld>
             <a:endParaRPr lang="en-US"/>
           </a:p>
@@ -1003,7 +1003,7 @@
           <a:p>
             <a:fld id="{32F7251A-AE54-443C-B8FE-5F636E835EBF}" type="datetimeFigureOut">
               <a:rPr lang="en-US" smtClean="0"/>
-              <a:t>4/6/2018</a:t>
+              <a:t>8/16/2020</a:t>
             </a:fld>
             <a:endParaRPr lang="en-US"/>
           </a:p>
@@ -1232,7 +1232,7 @@
           <a:p>
             <a:fld id="{32F7251A-AE54-443C-B8FE-5F636E835EBF}" type="datetimeFigureOut">
               <a:rPr lang="en-US" smtClean="0"/>
-              <a:t>4/6/2018</a:t>
+              <a:t>8/16/2020</a:t>
             </a:fld>
             <a:endParaRPr lang="en-US"/>
           </a:p>
@@ -1596,7 +1596,7 @@
           <a:p>
             <a:fld id="{32F7251A-AE54-443C-B8FE-5F636E835EBF}" type="datetimeFigureOut">
               <a:rPr lang="en-US" smtClean="0"/>
-              <a:t>4/6/2018</a:t>
+              <a:t>8/16/2020</a:t>
             </a:fld>
             <a:endParaRPr lang="en-US"/>
           </a:p>
@@ -1713,7 +1713,7 @@
           <a:p>
             <a:fld id="{32F7251A-AE54-443C-B8FE-5F636E835EBF}" type="datetimeFigureOut">
               <a:rPr lang="en-US" smtClean="0"/>
-              <a:t>4/6/2018</a:t>
+              <a:t>8/16/2020</a:t>
             </a:fld>
             <a:endParaRPr lang="en-US"/>
           </a:p>
@@ -1808,7 +1808,7 @@
           <a:p>
             <a:fld id="{32F7251A-AE54-443C-B8FE-5F636E835EBF}" type="datetimeFigureOut">
               <a:rPr lang="en-US" smtClean="0"/>
-              <a:t>4/6/2018</a:t>
+              <a:t>8/16/2020</a:t>
             </a:fld>
             <a:endParaRPr lang="en-US"/>
           </a:p>
@@ -2083,7 +2083,7 @@
           <a:p>
             <a:fld id="{32F7251A-AE54-443C-B8FE-5F636E835EBF}" type="datetimeFigureOut">
               <a:rPr lang="en-US" smtClean="0"/>
-              <a:t>4/6/2018</a:t>
+              <a:t>8/16/2020</a:t>
             </a:fld>
             <a:endParaRPr lang="en-US"/>
           </a:p>
@@ -2335,7 +2335,7 @@
           <a:p>
             <a:fld id="{32F7251A-AE54-443C-B8FE-5F636E835EBF}" type="datetimeFigureOut">
               <a:rPr lang="en-US" smtClean="0"/>
-              <a:t>4/6/2018</a:t>
+              <a:t>8/16/2020</a:t>
             </a:fld>
             <a:endParaRPr lang="en-US"/>
           </a:p>
@@ -2402,7 +2402,9 @@
     <p:bg>
       <p:bgPr>
         <a:solidFill>
-          <a:srgbClr val="333333"/>
+          <a:schemeClr val="bg1">
+            <a:lumMod val="10000"/>
+          </a:schemeClr>
         </a:solidFill>
         <a:effectLst/>
       </p:bgPr>
@@ -2549,7 +2551,7 @@
           <a:p>
             <a:fld id="{32F7251A-AE54-443C-B8FE-5F636E835EBF}" type="datetimeFigureOut">
               <a:rPr lang="en-US" smtClean="0"/>
-              <a:t>4/6/2018</a:t>
+              <a:t>8/16/2020</a:t>
             </a:fld>
             <a:endParaRPr lang="en-US"/>
           </a:p>
@@ -3019,8 +3021,8 @@
         </p:nvSpPr>
         <p:spPr>
           <a:xfrm>
-            <a:off x="0" y="5804209"/>
-            <a:ext cx="12192000" cy="830997"/>
+            <a:off x="0" y="5927320"/>
+            <a:ext cx="12192000" cy="584775"/>
           </a:xfrm>
           <a:prstGeom prst="rect">
             <a:avLst/>
@@ -3035,10 +3037,12 @@
           <a:p>
             <a:pPr algn="ctr"/>
             <a:r>
-              <a:rPr lang="en-US" sz="4800" dirty="0">
+              <a:rPr lang="en-US" sz="3200" u="sng" dirty="0">
                 <a:solidFill>
                   <a:schemeClr val="bg1"/>
                 </a:solidFill>
+                <a:latin typeface="Assistant SemiBold" panose="00000700000000000000" pitchFamily="2" charset="-79"/>
+                <a:cs typeface="Assistant SemiBold" panose="00000700000000000000" pitchFamily="2" charset="-79"/>
               </a:rPr>
               <a:t>“The Spirit of God, Like a Fire is Burning”</a:t>
             </a:r>
@@ -3053,8 +3057,8 @@
         </p:nvSpPr>
         <p:spPr>
           <a:xfrm>
-            <a:off x="0" y="215167"/>
-            <a:ext cx="12192000" cy="5078313"/>
+            <a:off x="0" y="741600"/>
+            <a:ext cx="12192000" cy="3970318"/>
           </a:xfrm>
           <a:prstGeom prst="rect">
             <a:avLst/>
@@ -3069,10 +3073,12 @@
           <a:p>
             <a:pPr algn="ctr"/>
             <a:r>
-              <a:rPr lang="en-US" sz="3600" dirty="0">
+              <a:rPr lang="en-US" sz="2800" spc="50" dirty="0">
                 <a:solidFill>
                   <a:schemeClr val="bg1"/>
                 </a:solidFill>
+                <a:latin typeface="Assistant" panose="00000500000000000000" pitchFamily="2" charset="-79"/>
+                <a:cs typeface="Assistant" panose="00000500000000000000" pitchFamily="2" charset="-79"/>
               </a:rPr>
               <a:t>The Spirit of God like a fire is burning;</a:t>
             </a:r>
@@ -3080,10 +3086,12 @@
           <a:p>
             <a:pPr algn="ctr"/>
             <a:r>
-              <a:rPr lang="en-US" sz="3600" dirty="0">
+              <a:rPr lang="en-US" sz="2800" spc="50" dirty="0">
                 <a:solidFill>
                   <a:schemeClr val="bg1"/>
                 </a:solidFill>
+                <a:latin typeface="Assistant" panose="00000500000000000000" pitchFamily="2" charset="-79"/>
+                <a:cs typeface="Assistant" panose="00000500000000000000" pitchFamily="2" charset="-79"/>
               </a:rPr>
               <a:t>The latter-day glory begins to come forth;</a:t>
             </a:r>
@@ -3091,10 +3099,12 @@
           <a:p>
             <a:pPr algn="ctr"/>
             <a:r>
-              <a:rPr lang="en-US" sz="3600" dirty="0">
+              <a:rPr lang="en-US" sz="2800" spc="50" dirty="0">
                 <a:solidFill>
                   <a:schemeClr val="bg1"/>
                 </a:solidFill>
+                <a:latin typeface="Assistant" panose="00000500000000000000" pitchFamily="2" charset="-79"/>
+                <a:cs typeface="Assistant" panose="00000500000000000000" pitchFamily="2" charset="-79"/>
               </a:rPr>
               <a:t>The visions and blessings of old are returning;</a:t>
             </a:r>
@@ -3102,29 +3112,35 @@
           <a:p>
             <a:pPr algn="ctr"/>
             <a:r>
-              <a:rPr lang="en-US" sz="3600" dirty="0">
+              <a:rPr lang="en-US" sz="2800" spc="50" dirty="0">
                 <a:solidFill>
                   <a:schemeClr val="bg1"/>
                 </a:solidFill>
+                <a:latin typeface="Assistant" panose="00000500000000000000" pitchFamily="2" charset="-79"/>
+                <a:cs typeface="Assistant" panose="00000500000000000000" pitchFamily="2" charset="-79"/>
               </a:rPr>
               <a:t>The angels are coming to visit the Earth.</a:t>
             </a:r>
           </a:p>
           <a:p>
             <a:pPr algn="ctr"/>
-            <a:endParaRPr lang="en-US" sz="3600" dirty="0">
+            <a:endParaRPr lang="en-US" sz="2800" spc="50" dirty="0">
               <a:solidFill>
                 <a:schemeClr val="bg1"/>
               </a:solidFill>
+              <a:latin typeface="Assistant" panose="00000500000000000000" pitchFamily="2" charset="-79"/>
+              <a:cs typeface="Assistant" panose="00000500000000000000" pitchFamily="2" charset="-79"/>
             </a:endParaRPr>
           </a:p>
           <a:p>
             <a:pPr algn="ctr"/>
             <a:r>
-              <a:rPr lang="en-US" sz="3600" dirty="0">
+              <a:rPr lang="en-US" sz="2800" spc="50" dirty="0">
                 <a:solidFill>
                   <a:schemeClr val="bg1"/>
                 </a:solidFill>
+                <a:latin typeface="Assistant" panose="00000500000000000000" pitchFamily="2" charset="-79"/>
+                <a:cs typeface="Assistant" panose="00000500000000000000" pitchFamily="2" charset="-79"/>
               </a:rPr>
               <a:t>We’ll sing and we’ll shout with the armies of heaven,</a:t>
             </a:r>
@@ -3132,26 +3148,32 @@
           <a:p>
             <a:pPr algn="ctr"/>
             <a:r>
-              <a:rPr lang="en-US" sz="3600" dirty="0">
+              <a:rPr lang="en-US" sz="2800" spc="50" dirty="0">
                 <a:solidFill>
                   <a:schemeClr val="bg1"/>
                 </a:solidFill>
+                <a:latin typeface="Assistant" panose="00000500000000000000" pitchFamily="2" charset="-79"/>
+                <a:cs typeface="Assistant" panose="00000500000000000000" pitchFamily="2" charset="-79"/>
               </a:rPr>
               <a:t>“Hosannah, </a:t>
             </a:r>
             <a:r>
-              <a:rPr lang="en-US" sz="3600" dirty="0" err="1">
+              <a:rPr lang="en-US" sz="2800" spc="50" dirty="0" err="1">
                 <a:solidFill>
                   <a:schemeClr val="bg1"/>
                 </a:solidFill>
+                <a:latin typeface="Assistant" panose="00000500000000000000" pitchFamily="2" charset="-79"/>
+                <a:cs typeface="Assistant" panose="00000500000000000000" pitchFamily="2" charset="-79"/>
               </a:rPr>
               <a:t>hosannah</a:t>
             </a:r>
             <a:r>
-              <a:rPr lang="en-US" sz="3600" dirty="0">
+              <a:rPr lang="en-US" sz="2800" spc="50" dirty="0">
                 <a:solidFill>
                   <a:schemeClr val="bg1"/>
                 </a:solidFill>
+                <a:latin typeface="Assistant" panose="00000500000000000000" pitchFamily="2" charset="-79"/>
+                <a:cs typeface="Assistant" panose="00000500000000000000" pitchFamily="2" charset="-79"/>
               </a:rPr>
               <a:t> to God and the Lamb!”</a:t>
             </a:r>
@@ -3159,10 +3181,12 @@
           <a:p>
             <a:pPr algn="ctr"/>
             <a:r>
-              <a:rPr lang="en-US" sz="3600" dirty="0">
+              <a:rPr lang="en-US" sz="2800" spc="50" dirty="0">
                 <a:solidFill>
                   <a:schemeClr val="bg1"/>
                 </a:solidFill>
+                <a:latin typeface="Assistant" panose="00000500000000000000" pitchFamily="2" charset="-79"/>
+                <a:cs typeface="Assistant" panose="00000500000000000000" pitchFamily="2" charset="-79"/>
               </a:rPr>
               <a:t>Let glory to them in the highest be given</a:t>
             </a:r>
@@ -3170,10 +3194,12 @@
           <a:p>
             <a:pPr algn="ctr"/>
             <a:r>
-              <a:rPr lang="en-US" sz="3600" dirty="0">
+              <a:rPr lang="en-US" sz="2800" spc="50" dirty="0">
                 <a:solidFill>
                   <a:schemeClr val="bg1"/>
                 </a:solidFill>
+                <a:latin typeface="Assistant" panose="00000500000000000000" pitchFamily="2" charset="-79"/>
+                <a:cs typeface="Assistant" panose="00000500000000000000" pitchFamily="2" charset="-79"/>
               </a:rPr>
               <a:t>Henceforth and forever!  Amen, and Amen!</a:t>
             </a:r>
@@ -3275,8 +3301,8 @@
         </p:nvSpPr>
         <p:spPr>
           <a:xfrm>
-            <a:off x="0" y="5804209"/>
-            <a:ext cx="12192000" cy="830997"/>
+            <a:off x="0" y="5927320"/>
+            <a:ext cx="12192000" cy="584775"/>
           </a:xfrm>
           <a:prstGeom prst="rect">
             <a:avLst/>
@@ -3291,10 +3317,12 @@
           <a:p>
             <a:pPr algn="ctr"/>
             <a:r>
-              <a:rPr lang="en-US" sz="4800" dirty="0">
+              <a:rPr lang="en-US" sz="3200" u="sng" dirty="0">
                 <a:solidFill>
                   <a:schemeClr val="bg1"/>
                 </a:solidFill>
+                <a:latin typeface="Assistant SemiBold" panose="00000700000000000000" pitchFamily="2" charset="-79"/>
+                <a:cs typeface="Assistant SemiBold" panose="00000700000000000000" pitchFamily="2" charset="-79"/>
               </a:rPr>
               <a:t>“The Spirit of God, Like a Fire is Burning”</a:t>
             </a:r>
@@ -3309,8 +3337,8 @@
         </p:nvSpPr>
         <p:spPr>
           <a:xfrm>
-            <a:off x="0" y="215167"/>
-            <a:ext cx="12192000" cy="5078313"/>
+            <a:off x="0" y="741600"/>
+            <a:ext cx="12192000" cy="3970318"/>
           </a:xfrm>
           <a:prstGeom prst="rect">
             <a:avLst/>
@@ -3325,10 +3353,12 @@
           <a:p>
             <a:pPr algn="ctr"/>
             <a:r>
-              <a:rPr lang="en-US" sz="3600" dirty="0">
+              <a:rPr lang="en-US" sz="2800" spc="50" dirty="0">
                 <a:solidFill>
                   <a:schemeClr val="bg1"/>
                 </a:solidFill>
+                <a:latin typeface="Assistant" panose="00000500000000000000" pitchFamily="2" charset="-79"/>
+                <a:cs typeface="Assistant" panose="00000500000000000000" pitchFamily="2" charset="-79"/>
               </a:rPr>
               <a:t>The Lord is extending His saints’ understanding,</a:t>
             </a:r>
@@ -3336,10 +3366,12 @@
           <a:p>
             <a:pPr algn="ctr"/>
             <a:r>
-              <a:rPr lang="en-US" sz="3600" dirty="0">
+              <a:rPr lang="en-US" sz="2800" spc="50" dirty="0">
                 <a:solidFill>
                   <a:schemeClr val="bg1"/>
                 </a:solidFill>
+                <a:latin typeface="Assistant" panose="00000500000000000000" pitchFamily="2" charset="-79"/>
+                <a:cs typeface="Assistant" panose="00000500000000000000" pitchFamily="2" charset="-79"/>
               </a:rPr>
               <a:t>Restoring their judges and all as at first;</a:t>
             </a:r>
@@ -3347,10 +3379,12 @@
           <a:p>
             <a:pPr algn="ctr"/>
             <a:r>
-              <a:rPr lang="en-US" sz="3600" dirty="0">
+              <a:rPr lang="en-US" sz="2800" spc="50" dirty="0">
                 <a:solidFill>
                   <a:schemeClr val="bg1"/>
                 </a:solidFill>
+                <a:latin typeface="Assistant" panose="00000500000000000000" pitchFamily="2" charset="-79"/>
+                <a:cs typeface="Assistant" panose="00000500000000000000" pitchFamily="2" charset="-79"/>
               </a:rPr>
               <a:t>The knowledge and power of God are expanding;</a:t>
             </a:r>
@@ -3358,29 +3392,35 @@
           <a:p>
             <a:pPr algn="ctr"/>
             <a:r>
-              <a:rPr lang="en-US" sz="3600" dirty="0">
+              <a:rPr lang="en-US" sz="2800" spc="50" dirty="0">
                 <a:solidFill>
                   <a:schemeClr val="bg1"/>
                 </a:solidFill>
+                <a:latin typeface="Assistant" panose="00000500000000000000" pitchFamily="2" charset="-79"/>
+                <a:cs typeface="Assistant" panose="00000500000000000000" pitchFamily="2" charset="-79"/>
               </a:rPr>
               <a:t>The veil o’er the Earth is beginning to burst!</a:t>
             </a:r>
           </a:p>
           <a:p>
             <a:pPr algn="ctr"/>
-            <a:endParaRPr lang="en-US" sz="3600" dirty="0">
+            <a:endParaRPr lang="en-US" sz="2800" spc="50" dirty="0">
               <a:solidFill>
                 <a:schemeClr val="bg1"/>
               </a:solidFill>
+              <a:latin typeface="Assistant" panose="00000500000000000000" pitchFamily="2" charset="-79"/>
+              <a:cs typeface="Assistant" panose="00000500000000000000" pitchFamily="2" charset="-79"/>
             </a:endParaRPr>
           </a:p>
           <a:p>
             <a:pPr algn="ctr"/>
             <a:r>
-              <a:rPr lang="en-US" sz="3600" dirty="0">
+              <a:rPr lang="en-US" sz="2800" spc="50" dirty="0">
                 <a:solidFill>
                   <a:schemeClr val="bg1"/>
                 </a:solidFill>
+                <a:latin typeface="Assistant" panose="00000500000000000000" pitchFamily="2" charset="-79"/>
+                <a:cs typeface="Assistant" panose="00000500000000000000" pitchFamily="2" charset="-79"/>
               </a:rPr>
               <a:t>We’ll sing and we’ll shout with the armies of heaven,</a:t>
             </a:r>
@@ -3388,26 +3428,32 @@
           <a:p>
             <a:pPr algn="ctr"/>
             <a:r>
-              <a:rPr lang="en-US" sz="3600" dirty="0">
+              <a:rPr lang="en-US" sz="2800" spc="50" dirty="0">
                 <a:solidFill>
                   <a:schemeClr val="bg1"/>
                 </a:solidFill>
+                <a:latin typeface="Assistant" panose="00000500000000000000" pitchFamily="2" charset="-79"/>
+                <a:cs typeface="Assistant" panose="00000500000000000000" pitchFamily="2" charset="-79"/>
               </a:rPr>
               <a:t>“Hosannah, </a:t>
             </a:r>
             <a:r>
-              <a:rPr lang="en-US" sz="3600" dirty="0" err="1">
+              <a:rPr lang="en-US" sz="2800" spc="50" dirty="0" err="1">
                 <a:solidFill>
                   <a:schemeClr val="bg1"/>
                 </a:solidFill>
+                <a:latin typeface="Assistant" panose="00000500000000000000" pitchFamily="2" charset="-79"/>
+                <a:cs typeface="Assistant" panose="00000500000000000000" pitchFamily="2" charset="-79"/>
               </a:rPr>
               <a:t>hosannah</a:t>
             </a:r>
             <a:r>
-              <a:rPr lang="en-US" sz="3600" dirty="0">
+              <a:rPr lang="en-US" sz="2800" spc="50" dirty="0">
                 <a:solidFill>
                   <a:schemeClr val="bg1"/>
                 </a:solidFill>
+                <a:latin typeface="Assistant" panose="00000500000000000000" pitchFamily="2" charset="-79"/>
+                <a:cs typeface="Assistant" panose="00000500000000000000" pitchFamily="2" charset="-79"/>
               </a:rPr>
               <a:t> to God and the Lamb!”</a:t>
             </a:r>
@@ -3415,10 +3461,12 @@
           <a:p>
             <a:pPr algn="ctr"/>
             <a:r>
-              <a:rPr lang="en-US" sz="3600" dirty="0">
+              <a:rPr lang="en-US" sz="2800" spc="50" dirty="0">
                 <a:solidFill>
                   <a:schemeClr val="bg1"/>
                 </a:solidFill>
+                <a:latin typeface="Assistant" panose="00000500000000000000" pitchFamily="2" charset="-79"/>
+                <a:cs typeface="Assistant" panose="00000500000000000000" pitchFamily="2" charset="-79"/>
               </a:rPr>
               <a:t>Let glory to them in the highest be given</a:t>
             </a:r>
@@ -3426,10 +3474,12 @@
           <a:p>
             <a:pPr algn="ctr"/>
             <a:r>
-              <a:rPr lang="en-US" sz="3600" dirty="0">
+              <a:rPr lang="en-US" sz="2800" spc="50" dirty="0">
                 <a:solidFill>
                   <a:schemeClr val="bg1"/>
                 </a:solidFill>
+                <a:latin typeface="Assistant" panose="00000500000000000000" pitchFamily="2" charset="-79"/>
+                <a:cs typeface="Assistant" panose="00000500000000000000" pitchFamily="2" charset="-79"/>
               </a:rPr>
               <a:t>Henceforth and forever!  Amen, and Amen!</a:t>
             </a:r>
@@ -3531,8 +3581,8 @@
         </p:nvSpPr>
         <p:spPr>
           <a:xfrm>
-            <a:off x="0" y="5804209"/>
-            <a:ext cx="12192000" cy="830997"/>
+            <a:off x="0" y="5927320"/>
+            <a:ext cx="12192000" cy="584775"/>
           </a:xfrm>
           <a:prstGeom prst="rect">
             <a:avLst/>
@@ -3547,10 +3597,12 @@
           <a:p>
             <a:pPr algn="ctr"/>
             <a:r>
-              <a:rPr lang="en-US" sz="4800" dirty="0">
+              <a:rPr lang="en-US" sz="3200" u="sng" dirty="0">
                 <a:solidFill>
                   <a:schemeClr val="bg1"/>
                 </a:solidFill>
+                <a:latin typeface="Assistant SemiBold" panose="00000700000000000000" pitchFamily="2" charset="-79"/>
+                <a:cs typeface="Assistant SemiBold" panose="00000700000000000000" pitchFamily="2" charset="-79"/>
               </a:rPr>
               <a:t>“The Spirit of God, Like a Fire is Burning”</a:t>
             </a:r>
@@ -3565,8 +3617,8 @@
         </p:nvSpPr>
         <p:spPr>
           <a:xfrm>
-            <a:off x="0" y="215167"/>
-            <a:ext cx="12192000" cy="5078313"/>
+            <a:off x="0" y="741600"/>
+            <a:ext cx="12192000" cy="3970318"/>
           </a:xfrm>
           <a:prstGeom prst="rect">
             <a:avLst/>
@@ -3581,10 +3633,12 @@
           <a:p>
             <a:pPr algn="ctr"/>
             <a:r>
-              <a:rPr lang="en-US" sz="3600" dirty="0">
+              <a:rPr lang="en-US" sz="2800" spc="50" dirty="0">
                 <a:solidFill>
                   <a:schemeClr val="bg1"/>
                 </a:solidFill>
+                <a:latin typeface="Assistant" panose="00000500000000000000" pitchFamily="2" charset="-79"/>
+                <a:cs typeface="Assistant" panose="00000500000000000000" pitchFamily="2" charset="-79"/>
               </a:rPr>
               <a:t>We call in our solemn assemblies, in spirit,</a:t>
             </a:r>
@@ -3592,10 +3646,12 @@
           <a:p>
             <a:pPr algn="ctr"/>
             <a:r>
-              <a:rPr lang="en-US" sz="3600" dirty="0">
+              <a:rPr lang="en-US" sz="2800" spc="50" dirty="0">
                 <a:solidFill>
                   <a:schemeClr val="bg1"/>
                 </a:solidFill>
+                <a:latin typeface="Assistant" panose="00000500000000000000" pitchFamily="2" charset="-79"/>
+                <a:cs typeface="Assistant" panose="00000500000000000000" pitchFamily="2" charset="-79"/>
               </a:rPr>
               <a:t>To spread forth the kingdom of heaven abroad,</a:t>
             </a:r>
@@ -3603,10 +3659,12 @@
           <a:p>
             <a:pPr algn="ctr"/>
             <a:r>
-              <a:rPr lang="en-US" sz="3600" dirty="0">
+              <a:rPr lang="en-US" sz="2800" spc="50" dirty="0">
                 <a:solidFill>
                   <a:schemeClr val="bg1"/>
                 </a:solidFill>
+                <a:latin typeface="Assistant" panose="00000500000000000000" pitchFamily="2" charset="-79"/>
+                <a:cs typeface="Assistant" panose="00000500000000000000" pitchFamily="2" charset="-79"/>
               </a:rPr>
               <a:t>That we through our faith may begin to inherit</a:t>
             </a:r>
@@ -3614,29 +3672,35 @@
           <a:p>
             <a:pPr algn="ctr"/>
             <a:r>
-              <a:rPr lang="en-US" sz="3600" dirty="0">
+              <a:rPr lang="en-US" sz="2800" spc="50" dirty="0">
                 <a:solidFill>
                   <a:schemeClr val="bg1"/>
                 </a:solidFill>
+                <a:latin typeface="Assistant" panose="00000500000000000000" pitchFamily="2" charset="-79"/>
+                <a:cs typeface="Assistant" panose="00000500000000000000" pitchFamily="2" charset="-79"/>
               </a:rPr>
               <a:t>The visions and blessings and glories of God.</a:t>
             </a:r>
           </a:p>
           <a:p>
             <a:pPr algn="ctr"/>
-            <a:endParaRPr lang="en-US" sz="3600" dirty="0">
+            <a:endParaRPr lang="en-US" sz="2800" spc="50" dirty="0">
               <a:solidFill>
                 <a:schemeClr val="bg1"/>
               </a:solidFill>
+              <a:latin typeface="Assistant" panose="00000500000000000000" pitchFamily="2" charset="-79"/>
+              <a:cs typeface="Assistant" panose="00000500000000000000" pitchFamily="2" charset="-79"/>
             </a:endParaRPr>
           </a:p>
           <a:p>
             <a:pPr algn="ctr"/>
             <a:r>
-              <a:rPr lang="en-US" sz="3600" dirty="0">
+              <a:rPr lang="en-US" sz="2800" spc="50" dirty="0">
                 <a:solidFill>
                   <a:schemeClr val="bg1"/>
                 </a:solidFill>
+                <a:latin typeface="Assistant" panose="00000500000000000000" pitchFamily="2" charset="-79"/>
+                <a:cs typeface="Assistant" panose="00000500000000000000" pitchFamily="2" charset="-79"/>
               </a:rPr>
               <a:t>We’ll sing and we’ll shout with the armies of heaven,</a:t>
             </a:r>
@@ -3644,26 +3708,32 @@
           <a:p>
             <a:pPr algn="ctr"/>
             <a:r>
-              <a:rPr lang="en-US" sz="3600" dirty="0">
+              <a:rPr lang="en-US" sz="2800" spc="50" dirty="0">
                 <a:solidFill>
                   <a:schemeClr val="bg1"/>
                 </a:solidFill>
+                <a:latin typeface="Assistant" panose="00000500000000000000" pitchFamily="2" charset="-79"/>
+                <a:cs typeface="Assistant" panose="00000500000000000000" pitchFamily="2" charset="-79"/>
               </a:rPr>
               <a:t>“Hosannah, </a:t>
             </a:r>
             <a:r>
-              <a:rPr lang="en-US" sz="3600" dirty="0" err="1">
+              <a:rPr lang="en-US" sz="2800" spc="50" dirty="0" err="1">
                 <a:solidFill>
                   <a:schemeClr val="bg1"/>
                 </a:solidFill>
+                <a:latin typeface="Assistant" panose="00000500000000000000" pitchFamily="2" charset="-79"/>
+                <a:cs typeface="Assistant" panose="00000500000000000000" pitchFamily="2" charset="-79"/>
               </a:rPr>
               <a:t>hosannah</a:t>
             </a:r>
             <a:r>
-              <a:rPr lang="en-US" sz="3600" dirty="0">
+              <a:rPr lang="en-US" sz="2800" spc="50" dirty="0">
                 <a:solidFill>
                   <a:schemeClr val="bg1"/>
                 </a:solidFill>
+                <a:latin typeface="Assistant" panose="00000500000000000000" pitchFamily="2" charset="-79"/>
+                <a:cs typeface="Assistant" panose="00000500000000000000" pitchFamily="2" charset="-79"/>
               </a:rPr>
               <a:t> to God and the Lamb!”</a:t>
             </a:r>
@@ -3671,10 +3741,12 @@
           <a:p>
             <a:pPr algn="ctr"/>
             <a:r>
-              <a:rPr lang="en-US" sz="3600" dirty="0">
+              <a:rPr lang="en-US" sz="2800" spc="50" dirty="0">
                 <a:solidFill>
                   <a:schemeClr val="bg1"/>
                 </a:solidFill>
+                <a:latin typeface="Assistant" panose="00000500000000000000" pitchFamily="2" charset="-79"/>
+                <a:cs typeface="Assistant" panose="00000500000000000000" pitchFamily="2" charset="-79"/>
               </a:rPr>
               <a:t>Let glory to them in the highest be given</a:t>
             </a:r>
@@ -3682,10 +3754,12 @@
           <a:p>
             <a:pPr algn="ctr"/>
             <a:r>
-              <a:rPr lang="en-US" sz="3600" dirty="0">
+              <a:rPr lang="en-US" sz="2800" spc="50" dirty="0">
                 <a:solidFill>
                   <a:schemeClr val="bg1"/>
                 </a:solidFill>
+                <a:latin typeface="Assistant" panose="00000500000000000000" pitchFamily="2" charset="-79"/>
+                <a:cs typeface="Assistant" panose="00000500000000000000" pitchFamily="2" charset="-79"/>
               </a:rPr>
               <a:t>Henceforth and forever!  Amen, and Amen!</a:t>
             </a:r>
@@ -3787,8 +3861,8 @@
         </p:nvSpPr>
         <p:spPr>
           <a:xfrm>
-            <a:off x="0" y="5804209"/>
-            <a:ext cx="12192000" cy="830997"/>
+            <a:off x="0" y="5927320"/>
+            <a:ext cx="12192000" cy="584775"/>
           </a:xfrm>
           <a:prstGeom prst="rect">
             <a:avLst/>
@@ -3803,10 +3877,12 @@
           <a:p>
             <a:pPr algn="ctr"/>
             <a:r>
-              <a:rPr lang="en-US" sz="4800" dirty="0">
+              <a:rPr lang="en-US" sz="3200" u="sng" dirty="0">
                 <a:solidFill>
                   <a:schemeClr val="bg1"/>
                 </a:solidFill>
+                <a:latin typeface="Assistant SemiBold" panose="00000700000000000000" pitchFamily="2" charset="-79"/>
+                <a:cs typeface="Assistant SemiBold" panose="00000700000000000000" pitchFamily="2" charset="-79"/>
               </a:rPr>
               <a:t>“The Spirit of God, Like a Fire is Burning”</a:t>
             </a:r>
@@ -3821,8 +3897,8 @@
         </p:nvSpPr>
         <p:spPr>
           <a:xfrm>
-            <a:off x="0" y="215167"/>
-            <a:ext cx="12192000" cy="5078313"/>
+            <a:off x="0" y="741600"/>
+            <a:ext cx="12192000" cy="3970318"/>
           </a:xfrm>
           <a:prstGeom prst="rect">
             <a:avLst/>
@@ -3837,10 +3913,12 @@
           <a:p>
             <a:pPr algn="ctr"/>
             <a:r>
-              <a:rPr lang="en-US" sz="3600" dirty="0">
+              <a:rPr lang="en-US" sz="2800" spc="50" dirty="0">
                 <a:solidFill>
                   <a:schemeClr val="bg1"/>
                 </a:solidFill>
+                <a:latin typeface="Assistant" panose="00000500000000000000" pitchFamily="2" charset="-79"/>
+                <a:cs typeface="Assistant" panose="00000500000000000000" pitchFamily="2" charset="-79"/>
               </a:rPr>
               <a:t>How blessed the day when the lamb and the lion</a:t>
             </a:r>
@@ -3848,10 +3926,12 @@
           <a:p>
             <a:pPr algn="ctr"/>
             <a:r>
-              <a:rPr lang="en-US" sz="3600" dirty="0">
+              <a:rPr lang="en-US" sz="2800" spc="50" dirty="0">
                 <a:solidFill>
                   <a:schemeClr val="bg1"/>
                 </a:solidFill>
+                <a:latin typeface="Assistant" panose="00000500000000000000" pitchFamily="2" charset="-79"/>
+                <a:cs typeface="Assistant" panose="00000500000000000000" pitchFamily="2" charset="-79"/>
               </a:rPr>
               <a:t>Shall lie down together without any ire;</a:t>
             </a:r>
@@ -3859,10 +3939,12 @@
           <a:p>
             <a:pPr algn="ctr"/>
             <a:r>
-              <a:rPr lang="en-US" sz="3600" dirty="0">
+              <a:rPr lang="en-US" sz="2800" spc="50" dirty="0">
                 <a:solidFill>
                   <a:schemeClr val="bg1"/>
                 </a:solidFill>
+                <a:latin typeface="Assistant" panose="00000500000000000000" pitchFamily="2" charset="-79"/>
+                <a:cs typeface="Assistant" panose="00000500000000000000" pitchFamily="2" charset="-79"/>
               </a:rPr>
               <a:t>And Ephraim be crowned with his blessings in Zion</a:t>
             </a:r>
@@ -3870,29 +3952,35 @@
           <a:p>
             <a:pPr algn="ctr"/>
             <a:r>
-              <a:rPr lang="en-US" sz="3600" dirty="0">
+              <a:rPr lang="en-US" sz="2800" spc="50" dirty="0">
                 <a:solidFill>
                   <a:schemeClr val="bg1"/>
                 </a:solidFill>
+                <a:latin typeface="Assistant" panose="00000500000000000000" pitchFamily="2" charset="-79"/>
+                <a:cs typeface="Assistant" panose="00000500000000000000" pitchFamily="2" charset="-79"/>
               </a:rPr>
               <a:t>As Jesus descends in his chariots of fire.</a:t>
             </a:r>
           </a:p>
           <a:p>
             <a:pPr algn="ctr"/>
-            <a:endParaRPr lang="en-US" sz="3600" dirty="0">
+            <a:endParaRPr lang="en-US" sz="2800" spc="50" dirty="0">
               <a:solidFill>
                 <a:schemeClr val="bg1"/>
               </a:solidFill>
+              <a:latin typeface="Assistant" panose="00000500000000000000" pitchFamily="2" charset="-79"/>
+              <a:cs typeface="Assistant" panose="00000500000000000000" pitchFamily="2" charset="-79"/>
             </a:endParaRPr>
           </a:p>
           <a:p>
             <a:pPr algn="ctr"/>
             <a:r>
-              <a:rPr lang="en-US" sz="3600" dirty="0">
+              <a:rPr lang="en-US" sz="2800" spc="50" dirty="0">
                 <a:solidFill>
                   <a:schemeClr val="bg1"/>
                 </a:solidFill>
+                <a:latin typeface="Assistant" panose="00000500000000000000" pitchFamily="2" charset="-79"/>
+                <a:cs typeface="Assistant" panose="00000500000000000000" pitchFamily="2" charset="-79"/>
               </a:rPr>
               <a:t>We’ll sing and we’ll shout with the armies of heaven,</a:t>
             </a:r>
@@ -3900,26 +3988,32 @@
           <a:p>
             <a:pPr algn="ctr"/>
             <a:r>
-              <a:rPr lang="en-US" sz="3600" dirty="0">
+              <a:rPr lang="en-US" sz="2800" spc="50" dirty="0">
                 <a:solidFill>
                   <a:schemeClr val="bg1"/>
                 </a:solidFill>
+                <a:latin typeface="Assistant" panose="00000500000000000000" pitchFamily="2" charset="-79"/>
+                <a:cs typeface="Assistant" panose="00000500000000000000" pitchFamily="2" charset="-79"/>
               </a:rPr>
               <a:t>“Hosannah, </a:t>
             </a:r>
             <a:r>
-              <a:rPr lang="en-US" sz="3600" dirty="0" err="1">
+              <a:rPr lang="en-US" sz="2800" spc="50" dirty="0" err="1">
                 <a:solidFill>
                   <a:schemeClr val="bg1"/>
                 </a:solidFill>
+                <a:latin typeface="Assistant" panose="00000500000000000000" pitchFamily="2" charset="-79"/>
+                <a:cs typeface="Assistant" panose="00000500000000000000" pitchFamily="2" charset="-79"/>
               </a:rPr>
               <a:t>hosannah</a:t>
             </a:r>
             <a:r>
-              <a:rPr lang="en-US" sz="3600" dirty="0">
+              <a:rPr lang="en-US" sz="2800" spc="50" dirty="0">
                 <a:solidFill>
                   <a:schemeClr val="bg1"/>
                 </a:solidFill>
+                <a:latin typeface="Assistant" panose="00000500000000000000" pitchFamily="2" charset="-79"/>
+                <a:cs typeface="Assistant" panose="00000500000000000000" pitchFamily="2" charset="-79"/>
               </a:rPr>
               <a:t> to God and the Lamb!”</a:t>
             </a:r>
@@ -3927,10 +4021,12 @@
           <a:p>
             <a:pPr algn="ctr"/>
             <a:r>
-              <a:rPr lang="en-US" sz="3600" dirty="0">
+              <a:rPr lang="en-US" sz="2800" spc="50" dirty="0">
                 <a:solidFill>
                   <a:schemeClr val="bg1"/>
                 </a:solidFill>
+                <a:latin typeface="Assistant" panose="00000500000000000000" pitchFamily="2" charset="-79"/>
+                <a:cs typeface="Assistant" panose="00000500000000000000" pitchFamily="2" charset="-79"/>
               </a:rPr>
               <a:t>Let glory to them in the highest be given</a:t>
             </a:r>
@@ -3938,10 +4034,12 @@
           <a:p>
             <a:pPr algn="ctr"/>
             <a:r>
-              <a:rPr lang="en-US" sz="3600" dirty="0">
+              <a:rPr lang="en-US" sz="2800" spc="50" dirty="0">
                 <a:solidFill>
                   <a:schemeClr val="bg1"/>
                 </a:solidFill>
+                <a:latin typeface="Assistant" panose="00000500000000000000" pitchFamily="2" charset="-79"/>
+                <a:cs typeface="Assistant" panose="00000500000000000000" pitchFamily="2" charset="-79"/>
               </a:rPr>
               <a:t>Henceforth and forever!  Amen, and Amen!</a:t>
             </a:r>
